--- a/20181102-20181109-张雁君.pptx
+++ b/20181102-20181109-张雁君.pptx
@@ -7,6 +7,9 @@
   <p:sldIdLst>
     <p:sldId id="256" r:id="rId2"/>
     <p:sldId id="257" r:id="rId3"/>
+    <p:sldId id="258" r:id="rId4"/>
+    <p:sldId id="259" r:id="rId5"/>
+    <p:sldId id="260" r:id="rId6"/>
   </p:sldIdLst>
   <p:sldSz cx="12192000" cy="6858000"/>
   <p:notesSz cx="6858000" cy="9144000"/>
@@ -3651,58 +3654,602 @@
       </p:grpSpPr>
       <p:sp>
         <p:nvSpPr>
-          <p:cNvPr id="2" name="标题 1">
-            <a:extLst>
-              <a:ext uri="{FF2B5EF4-FFF2-40B4-BE49-F238E27FC236}">
-                <a16:creationId xmlns:a16="http://schemas.microsoft.com/office/drawing/2014/main" id="{E57B0671-787D-4056-84FA-0E1707D170D9}"/>
-              </a:ext>
-            </a:extLst>
-          </p:cNvPr>
-          <p:cNvSpPr>
-            <a:spLocks noGrp="1"/>
-          </p:cNvSpPr>
-          <p:nvPr>
-            <p:ph type="title"/>
-          </p:nvPr>
-        </p:nvSpPr>
-        <p:spPr/>
-        <p:txBody>
-          <a:bodyPr/>
-          <a:lstStyle/>
-          <a:p>
-            <a:endParaRPr lang="zh-CN" altLang="en-US"/>
-          </a:p>
-        </p:txBody>
-      </p:sp>
-      <p:sp>
-        <p:nvSpPr>
-          <p:cNvPr id="3" name="内容占位符 2">
-            <a:extLst>
-              <a:ext uri="{FF2B5EF4-FFF2-40B4-BE49-F238E27FC236}">
-                <a16:creationId xmlns:a16="http://schemas.microsoft.com/office/drawing/2014/main" id="{A8FFFE9C-4E8B-4DFC-881F-9B9A9B9FC3C7}"/>
-              </a:ext>
-            </a:extLst>
-          </p:cNvPr>
-          <p:cNvSpPr>
-            <a:spLocks noGrp="1"/>
-          </p:cNvSpPr>
-          <p:nvPr>
-            <p:ph idx="1"/>
-          </p:nvPr>
-        </p:nvSpPr>
-        <p:spPr/>
-        <p:txBody>
-          <a:bodyPr/>
-          <a:lstStyle/>
-          <a:p>
-            <a:endParaRPr lang="zh-CN" altLang="en-US"/>
-          </a:p>
-        </p:txBody>
-      </p:sp>
+          <p:cNvPr id="4" name="文本框 3">
+            <a:extLst>
+              <a:ext uri="{FF2B5EF4-FFF2-40B4-BE49-F238E27FC236}">
+                <a16:creationId xmlns:a16="http://schemas.microsoft.com/office/drawing/2014/main" id="{7A23EF1D-7754-4E50-9E4B-2EC511ADFF10}"/>
+              </a:ext>
+            </a:extLst>
+          </p:cNvPr>
+          <p:cNvSpPr txBox="1"/>
+          <p:nvPr/>
+        </p:nvSpPr>
+        <p:spPr>
+          <a:xfrm>
+            <a:off x="307910" y="0"/>
+            <a:ext cx="1987421" cy="369332"/>
+          </a:xfrm>
+          <a:prstGeom prst="rect">
+            <a:avLst/>
+          </a:prstGeom>
+          <a:noFill/>
+        </p:spPr>
+        <p:txBody>
+          <a:bodyPr wrap="square" rtlCol="0">
+            <a:spAutoFit/>
+          </a:bodyPr>
+          <a:lstStyle/>
+          <a:p>
+            <a:r>
+              <a:rPr lang="en-US" altLang="zh-CN" dirty="0" err="1"/>
+              <a:t>mooc</a:t>
+            </a:r>
+            <a:r>
+              <a:rPr lang="zh-CN" altLang="en-US" dirty="0"/>
+              <a:t>习题</a:t>
+            </a:r>
+          </a:p>
+        </p:txBody>
+      </p:sp>
+      <p:pic>
+        <p:nvPicPr>
+          <p:cNvPr id="5" name="图片 4">
+            <a:extLst>
+              <a:ext uri="{FF2B5EF4-FFF2-40B4-BE49-F238E27FC236}">
+                <a16:creationId xmlns:a16="http://schemas.microsoft.com/office/drawing/2014/main" id="{81D744BC-D485-4474-B390-86FC2698B75A}"/>
+              </a:ext>
+            </a:extLst>
+          </p:cNvPr>
+          <p:cNvPicPr>
+            <a:picLocks noChangeAspect="1"/>
+          </p:cNvPicPr>
+          <p:nvPr/>
+        </p:nvPicPr>
+        <p:blipFill>
+          <a:blip r:embed="rId2"/>
+          <a:stretch>
+            <a:fillRect/>
+          </a:stretch>
+        </p:blipFill>
+        <p:spPr>
+          <a:xfrm>
+            <a:off x="1510917" y="303249"/>
+            <a:ext cx="5829805" cy="1044030"/>
+          </a:xfrm>
+          <a:prstGeom prst="rect">
+            <a:avLst/>
+          </a:prstGeom>
+        </p:spPr>
+      </p:pic>
+      <p:sp>
+        <p:nvSpPr>
+          <p:cNvPr id="7" name="文本框 6">
+            <a:extLst>
+              <a:ext uri="{FF2B5EF4-FFF2-40B4-BE49-F238E27FC236}">
+                <a16:creationId xmlns:a16="http://schemas.microsoft.com/office/drawing/2014/main" id="{BB29EC2E-A79E-4D41-A960-5A2C1C014A1A}"/>
+              </a:ext>
+            </a:extLst>
+          </p:cNvPr>
+          <p:cNvSpPr txBox="1"/>
+          <p:nvPr/>
+        </p:nvSpPr>
+        <p:spPr>
+          <a:xfrm>
+            <a:off x="7604448" y="1518444"/>
+            <a:ext cx="2892490" cy="2308324"/>
+          </a:xfrm>
+          <a:prstGeom prst="rect">
+            <a:avLst/>
+          </a:prstGeom>
+          <a:noFill/>
+        </p:spPr>
+        <p:txBody>
+          <a:bodyPr wrap="square" rtlCol="0">
+            <a:spAutoFit/>
+          </a:bodyPr>
+          <a:lstStyle/>
+          <a:p>
+            <a:r>
+              <a:rPr lang="zh-CN" altLang="en-US" dirty="0"/>
+              <a:t>思路：用两个数组接收每一行，每一列</a:t>
+            </a:r>
+            <a:r>
+              <a:rPr lang="en-US" altLang="zh-CN" dirty="0"/>
+              <a:t>1</a:t>
+            </a:r>
+            <a:r>
+              <a:rPr lang="zh-CN" altLang="en-US" dirty="0"/>
+              <a:t>的个数将数组元素放入</a:t>
+            </a:r>
+            <a:r>
+              <a:rPr lang="en-US" altLang="zh-CN" dirty="0"/>
+              <a:t>if</a:t>
+            </a:r>
+            <a:r>
+              <a:rPr lang="zh-CN" altLang="en-US" dirty="0"/>
+              <a:t>条件中，若为</a:t>
+            </a:r>
+            <a:r>
+              <a:rPr lang="en-US" altLang="zh-CN" dirty="0"/>
+              <a:t>1</a:t>
+            </a:r>
+            <a:r>
+              <a:rPr lang="zh-CN" altLang="en-US" dirty="0"/>
+              <a:t>，</a:t>
+            </a:r>
+            <a:r>
+              <a:rPr lang="en-US" altLang="zh-CN" dirty="0"/>
+              <a:t>r1</a:t>
+            </a:r>
+            <a:r>
+              <a:rPr lang="zh-CN" altLang="en-US" dirty="0"/>
+              <a:t>数组加一，</a:t>
+            </a:r>
+            <a:r>
+              <a:rPr lang="en-US" altLang="zh-CN" dirty="0"/>
+              <a:t>c1</a:t>
+            </a:r>
+            <a:r>
+              <a:rPr lang="zh-CN" altLang="en-US" dirty="0"/>
+              <a:t>数组加一，</a:t>
+            </a:r>
+            <a:r>
+              <a:rPr lang="en-US" altLang="zh-CN" dirty="0"/>
+              <a:t>r1,r2</a:t>
+            </a:r>
+            <a:r>
+              <a:rPr lang="zh-CN" altLang="en-US" dirty="0"/>
+              <a:t>数组下标对应</a:t>
+            </a:r>
+            <a:r>
+              <a:rPr lang="en-US" altLang="zh-CN" dirty="0"/>
+              <a:t>1</a:t>
+            </a:r>
+          </a:p>
+          <a:p>
+            <a:r>
+              <a:rPr lang="zh-CN" altLang="en-US" dirty="0"/>
+              <a:t>的元素的下标。数组遍历结束后对</a:t>
+            </a:r>
+            <a:r>
+              <a:rPr lang="en-US" altLang="zh-CN" dirty="0"/>
+              <a:t>r1,r2</a:t>
+            </a:r>
+            <a:r>
+              <a:rPr lang="zh-CN" altLang="en-US" dirty="0"/>
+              <a:t>数组的值除以</a:t>
+            </a:r>
+            <a:r>
+              <a:rPr lang="en-US" altLang="zh-CN" dirty="0"/>
+              <a:t>2</a:t>
+            </a:r>
+            <a:r>
+              <a:rPr lang="zh-CN" altLang="en-US" dirty="0"/>
+              <a:t>，若是偶数则输出</a:t>
+            </a:r>
+            <a:r>
+              <a:rPr lang="en-US" altLang="zh-CN" dirty="0"/>
+              <a:t>ok</a:t>
+            </a:r>
+            <a:r>
+              <a:rPr lang="zh-CN" altLang="en-US" dirty="0"/>
+              <a:t>，</a:t>
+            </a:r>
+          </a:p>
+        </p:txBody>
+      </p:sp>
+      <p:pic>
+        <p:nvPicPr>
+          <p:cNvPr id="8" name="图片 7">
+            <a:extLst>
+              <a:ext uri="{FF2B5EF4-FFF2-40B4-BE49-F238E27FC236}">
+                <a16:creationId xmlns:a16="http://schemas.microsoft.com/office/drawing/2014/main" id="{7E1702AB-99AD-40CB-ADC1-0DEEF2AB3CDD}"/>
+              </a:ext>
+            </a:extLst>
+          </p:cNvPr>
+          <p:cNvPicPr>
+            <a:picLocks noChangeAspect="1"/>
+          </p:cNvPicPr>
+          <p:nvPr/>
+        </p:nvPicPr>
+        <p:blipFill>
+          <a:blip r:embed="rId3"/>
+          <a:stretch>
+            <a:fillRect/>
+          </a:stretch>
+        </p:blipFill>
+        <p:spPr>
+          <a:xfrm>
+            <a:off x="212499" y="1225676"/>
+            <a:ext cx="6193939" cy="3510910"/>
+          </a:xfrm>
+          <a:prstGeom prst="rect">
+            <a:avLst/>
+          </a:prstGeom>
+        </p:spPr>
+      </p:pic>
+      <p:pic>
+        <p:nvPicPr>
+          <p:cNvPr id="9" name="图片 8">
+            <a:extLst>
+              <a:ext uri="{FF2B5EF4-FFF2-40B4-BE49-F238E27FC236}">
+                <a16:creationId xmlns:a16="http://schemas.microsoft.com/office/drawing/2014/main" id="{A3DF01E0-480D-4A66-8CCB-55B430A04691}"/>
+              </a:ext>
+            </a:extLst>
+          </p:cNvPr>
+          <p:cNvPicPr>
+            <a:picLocks noChangeAspect="1"/>
+          </p:cNvPicPr>
+          <p:nvPr/>
+        </p:nvPicPr>
+        <p:blipFill>
+          <a:blip r:embed="rId4"/>
+          <a:stretch>
+            <a:fillRect/>
+          </a:stretch>
+        </p:blipFill>
+        <p:spPr>
+          <a:xfrm>
+            <a:off x="212499" y="4820562"/>
+            <a:ext cx="5731102" cy="1955895"/>
+          </a:xfrm>
+          <a:prstGeom prst="rect">
+            <a:avLst/>
+          </a:prstGeom>
+        </p:spPr>
+      </p:pic>
     </p:spTree>
     <p:extLst>
       <p:ext uri="{BB962C8B-B14F-4D97-AF65-F5344CB8AC3E}">
         <p14:creationId xmlns:p14="http://schemas.microsoft.com/office/powerpoint/2010/main" val="3567336398"/>
+      </p:ext>
+    </p:extLst>
+  </p:cSld>
+  <p:clrMapOvr>
+    <a:masterClrMapping/>
+  </p:clrMapOvr>
+</p:sld>
+</file>
+
+<file path=ppt/slides/slide3.xml><?xml version="1.0" encoding="utf-8"?>
+<p:sld xmlns:a="http://schemas.openxmlformats.org/drawingml/2006/main" xmlns:r="http://schemas.openxmlformats.org/officeDocument/2006/relationships" xmlns:p="http://schemas.openxmlformats.org/presentationml/2006/main">
+  <p:cSld>
+    <p:spTree>
+      <p:nvGrpSpPr>
+        <p:cNvPr id="1" name=""/>
+        <p:cNvGrpSpPr/>
+        <p:nvPr/>
+      </p:nvGrpSpPr>
+      <p:grpSpPr>
+        <a:xfrm>
+          <a:off x="0" y="0"/>
+          <a:ext cx="0" cy="0"/>
+          <a:chOff x="0" y="0"/>
+          <a:chExt cx="0" cy="0"/>
+        </a:xfrm>
+      </p:grpSpPr>
+      <p:pic>
+        <p:nvPicPr>
+          <p:cNvPr id="4" name="图片 3">
+            <a:extLst>
+              <a:ext uri="{FF2B5EF4-FFF2-40B4-BE49-F238E27FC236}">
+                <a16:creationId xmlns:a16="http://schemas.microsoft.com/office/drawing/2014/main" id="{346C879F-6E5C-460A-8469-E76B97941B07}"/>
+              </a:ext>
+            </a:extLst>
+          </p:cNvPr>
+          <p:cNvPicPr>
+            <a:picLocks noChangeAspect="1"/>
+          </p:cNvPicPr>
+          <p:nvPr/>
+        </p:nvPicPr>
+        <p:blipFill>
+          <a:blip r:embed="rId2"/>
+          <a:stretch>
+            <a:fillRect/>
+          </a:stretch>
+        </p:blipFill>
+        <p:spPr>
+          <a:xfrm>
+            <a:off x="314177" y="182165"/>
+            <a:ext cx="5909341" cy="1621501"/>
+          </a:xfrm>
+          <a:prstGeom prst="rect">
+            <a:avLst/>
+          </a:prstGeom>
+        </p:spPr>
+      </p:pic>
+      <p:pic>
+        <p:nvPicPr>
+          <p:cNvPr id="5" name="图片 4">
+            <a:extLst>
+              <a:ext uri="{FF2B5EF4-FFF2-40B4-BE49-F238E27FC236}">
+                <a16:creationId xmlns:a16="http://schemas.microsoft.com/office/drawing/2014/main" id="{F56C8DB9-B359-44C5-A67C-E61964A838F9}"/>
+              </a:ext>
+            </a:extLst>
+          </p:cNvPr>
+          <p:cNvPicPr>
+            <a:picLocks noChangeAspect="1"/>
+          </p:cNvPicPr>
+          <p:nvPr/>
+        </p:nvPicPr>
+        <p:blipFill>
+          <a:blip r:embed="rId3"/>
+          <a:stretch>
+            <a:fillRect/>
+          </a:stretch>
+        </p:blipFill>
+        <p:spPr>
+          <a:xfrm>
+            <a:off x="227049" y="2102245"/>
+            <a:ext cx="5281118" cy="3124471"/>
+          </a:xfrm>
+          <a:prstGeom prst="rect">
+            <a:avLst/>
+          </a:prstGeom>
+        </p:spPr>
+      </p:pic>
+      <p:pic>
+        <p:nvPicPr>
+          <p:cNvPr id="6" name="图片 5">
+            <a:extLst>
+              <a:ext uri="{FF2B5EF4-FFF2-40B4-BE49-F238E27FC236}">
+                <a16:creationId xmlns:a16="http://schemas.microsoft.com/office/drawing/2014/main" id="{FBF7E076-A3E4-43BB-B7D4-AE7124EF6048}"/>
+              </a:ext>
+            </a:extLst>
+          </p:cNvPr>
+          <p:cNvPicPr>
+            <a:picLocks noChangeAspect="1"/>
+          </p:cNvPicPr>
+          <p:nvPr/>
+        </p:nvPicPr>
+        <p:blipFill>
+          <a:blip r:embed="rId4"/>
+          <a:stretch>
+            <a:fillRect/>
+          </a:stretch>
+        </p:blipFill>
+        <p:spPr>
+          <a:xfrm>
+            <a:off x="6512768" y="58841"/>
+            <a:ext cx="5281118" cy="2604348"/>
+          </a:xfrm>
+          <a:prstGeom prst="rect">
+            <a:avLst/>
+          </a:prstGeom>
+        </p:spPr>
+      </p:pic>
+      <p:pic>
+        <p:nvPicPr>
+          <p:cNvPr id="7" name="图片 6">
+            <a:extLst>
+              <a:ext uri="{FF2B5EF4-FFF2-40B4-BE49-F238E27FC236}">
+                <a16:creationId xmlns:a16="http://schemas.microsoft.com/office/drawing/2014/main" id="{1ED7EB90-5370-46E9-9577-62881F3D9134}"/>
+              </a:ext>
+            </a:extLst>
+          </p:cNvPr>
+          <p:cNvPicPr>
+            <a:picLocks noChangeAspect="1"/>
+          </p:cNvPicPr>
+          <p:nvPr/>
+        </p:nvPicPr>
+        <p:blipFill>
+          <a:blip r:embed="rId5"/>
+          <a:stretch>
+            <a:fillRect/>
+          </a:stretch>
+        </p:blipFill>
+        <p:spPr>
+          <a:xfrm>
+            <a:off x="5508167" y="2775156"/>
+            <a:ext cx="6927762" cy="2070256"/>
+          </a:xfrm>
+          <a:prstGeom prst="rect">
+            <a:avLst/>
+          </a:prstGeom>
+        </p:spPr>
+      </p:pic>
+      <p:sp>
+        <p:nvSpPr>
+          <p:cNvPr id="8" name="文本框 7">
+            <a:extLst>
+              <a:ext uri="{FF2B5EF4-FFF2-40B4-BE49-F238E27FC236}">
+                <a16:creationId xmlns:a16="http://schemas.microsoft.com/office/drawing/2014/main" id="{ECEE79C2-C5F7-4F9F-9E94-D22DC11BE955}"/>
+              </a:ext>
+            </a:extLst>
+          </p:cNvPr>
+          <p:cNvSpPr txBox="1"/>
+          <p:nvPr/>
+        </p:nvSpPr>
+        <p:spPr>
+          <a:xfrm>
+            <a:off x="494522" y="5589037"/>
+            <a:ext cx="8005666" cy="923330"/>
+          </a:xfrm>
+          <a:prstGeom prst="rect">
+            <a:avLst/>
+          </a:prstGeom>
+          <a:noFill/>
+        </p:spPr>
+        <p:txBody>
+          <a:bodyPr wrap="square" rtlCol="0">
+            <a:spAutoFit/>
+          </a:bodyPr>
+          <a:lstStyle/>
+          <a:p>
+            <a:r>
+              <a:rPr lang="zh-CN" altLang="en-US" dirty="0"/>
+              <a:t>思路：根据输入的数进行取余操作，分别得到个位十位和百位数字，根据题意对得到的数字进行排序（此处用了冒泡排序），再写两个函数分别得到他的最大值和最值，最后在主函数中用一个</a:t>
+            </a:r>
+            <a:r>
+              <a:rPr lang="en-US" altLang="zh-CN" dirty="0"/>
+              <a:t>while</a:t>
+            </a:r>
+            <a:r>
+              <a:rPr lang="zh-CN" altLang="en-US" dirty="0"/>
+              <a:t>循环计算结果，</a:t>
+            </a:r>
+          </a:p>
+        </p:txBody>
+      </p:sp>
+    </p:spTree>
+    <p:extLst>
+      <p:ext uri="{BB962C8B-B14F-4D97-AF65-F5344CB8AC3E}">
+        <p14:creationId xmlns:p14="http://schemas.microsoft.com/office/powerpoint/2010/main" val="2738274297"/>
+      </p:ext>
+    </p:extLst>
+  </p:cSld>
+  <p:clrMapOvr>
+    <a:masterClrMapping/>
+  </p:clrMapOvr>
+</p:sld>
+</file>
+
+<file path=ppt/slides/slide4.xml><?xml version="1.0" encoding="utf-8"?>
+<p:sld xmlns:a="http://schemas.openxmlformats.org/drawingml/2006/main" xmlns:r="http://schemas.openxmlformats.org/officeDocument/2006/relationships" xmlns:p="http://schemas.openxmlformats.org/presentationml/2006/main">
+  <p:cSld>
+    <p:spTree>
+      <p:nvGrpSpPr>
+        <p:cNvPr id="1" name=""/>
+        <p:cNvGrpSpPr/>
+        <p:nvPr/>
+      </p:nvGrpSpPr>
+      <p:grpSpPr>
+        <a:xfrm>
+          <a:off x="0" y="0"/>
+          <a:ext cx="0" cy="0"/>
+          <a:chOff x="0" y="0"/>
+          <a:chExt cx="0" cy="0"/>
+        </a:xfrm>
+      </p:grpSpPr>
+      <p:pic>
+        <p:nvPicPr>
+          <p:cNvPr id="6" name="图片 5">
+            <a:extLst>
+              <a:ext uri="{FF2B5EF4-FFF2-40B4-BE49-F238E27FC236}">
+                <a16:creationId xmlns:a16="http://schemas.microsoft.com/office/drawing/2014/main" id="{67130A8D-F32C-48C6-A44B-91BF2C7FDB1D}"/>
+              </a:ext>
+            </a:extLst>
+          </p:cNvPr>
+          <p:cNvPicPr>
+            <a:picLocks noChangeAspect="1"/>
+          </p:cNvPicPr>
+          <p:nvPr/>
+        </p:nvPicPr>
+        <p:blipFill>
+          <a:blip r:embed="rId2"/>
+          <a:stretch>
+            <a:fillRect/>
+          </a:stretch>
+        </p:blipFill>
+        <p:spPr>
+          <a:xfrm>
+            <a:off x="653468" y="383244"/>
+            <a:ext cx="9734419" cy="595586"/>
+          </a:xfrm>
+          <a:prstGeom prst="rect">
+            <a:avLst/>
+          </a:prstGeom>
+        </p:spPr>
+      </p:pic>
+      <p:pic>
+        <p:nvPicPr>
+          <p:cNvPr id="7" name="图片 6">
+            <a:extLst>
+              <a:ext uri="{FF2B5EF4-FFF2-40B4-BE49-F238E27FC236}">
+                <a16:creationId xmlns:a16="http://schemas.microsoft.com/office/drawing/2014/main" id="{84B78BEE-38A6-4691-83F9-D213FA36C88E}"/>
+              </a:ext>
+            </a:extLst>
+          </p:cNvPr>
+          <p:cNvPicPr>
+            <a:picLocks noChangeAspect="1"/>
+          </p:cNvPicPr>
+          <p:nvPr/>
+        </p:nvPicPr>
+        <p:blipFill>
+          <a:blip r:embed="rId3"/>
+          <a:stretch>
+            <a:fillRect/>
+          </a:stretch>
+        </p:blipFill>
+        <p:spPr>
+          <a:xfrm>
+            <a:off x="532170" y="1128120"/>
+            <a:ext cx="5672573" cy="4759497"/>
+          </a:xfrm>
+          <a:prstGeom prst="rect">
+            <a:avLst/>
+          </a:prstGeom>
+        </p:spPr>
+      </p:pic>
+      <p:sp>
+        <p:nvSpPr>
+          <p:cNvPr id="8" name="文本框 7">
+            <a:extLst>
+              <a:ext uri="{FF2B5EF4-FFF2-40B4-BE49-F238E27FC236}">
+                <a16:creationId xmlns:a16="http://schemas.microsoft.com/office/drawing/2014/main" id="{26FF12FF-08B5-4797-97CA-E958E7926F5F}"/>
+              </a:ext>
+            </a:extLst>
+          </p:cNvPr>
+          <p:cNvSpPr txBox="1"/>
+          <p:nvPr/>
+        </p:nvSpPr>
+        <p:spPr>
+          <a:xfrm>
+            <a:off x="6680718" y="1128120"/>
+            <a:ext cx="2332653" cy="2031325"/>
+          </a:xfrm>
+          <a:prstGeom prst="rect">
+            <a:avLst/>
+          </a:prstGeom>
+          <a:noFill/>
+        </p:spPr>
+        <p:txBody>
+          <a:bodyPr wrap="square" rtlCol="0">
+            <a:spAutoFit/>
+          </a:bodyPr>
+          <a:lstStyle/>
+          <a:p>
+            <a:r>
+              <a:rPr lang="zh-CN" altLang="en-US" dirty="0"/>
+              <a:t>思路：采用枚举法得到两个数字，再定义一个判断素数的函数来筛选数字，得到素数算式集，再按照题目要求按第一个数的最小值输出</a:t>
+            </a:r>
+          </a:p>
+        </p:txBody>
+      </p:sp>
+    </p:spTree>
+    <p:extLst>
+      <p:ext uri="{BB962C8B-B14F-4D97-AF65-F5344CB8AC3E}">
+        <p14:creationId xmlns:p14="http://schemas.microsoft.com/office/powerpoint/2010/main" val="3235429629"/>
+      </p:ext>
+    </p:extLst>
+  </p:cSld>
+  <p:clrMapOvr>
+    <a:masterClrMapping/>
+  </p:clrMapOvr>
+</p:sld>
+</file>
+
+<file path=ppt/slides/slide5.xml><?xml version="1.0" encoding="utf-8"?>
+<p:sld xmlns:a="http://schemas.openxmlformats.org/drawingml/2006/main" xmlns:r="http://schemas.openxmlformats.org/officeDocument/2006/relationships" xmlns:p="http://schemas.openxmlformats.org/presentationml/2006/main">
+  <p:cSld>
+    <p:spTree>
+      <p:nvGrpSpPr>
+        <p:cNvPr id="1" name=""/>
+        <p:cNvGrpSpPr/>
+        <p:nvPr/>
+      </p:nvGrpSpPr>
+      <p:grpSpPr>
+        <a:xfrm>
+          <a:off x="0" y="0"/>
+          <a:ext cx="0" cy="0"/>
+          <a:chOff x="0" y="0"/>
+          <a:chExt cx="0" cy="0"/>
+        </a:xfrm>
+      </p:grpSpPr>
+    </p:spTree>
+    <p:extLst>
+      <p:ext uri="{BB962C8B-B14F-4D97-AF65-F5344CB8AC3E}">
+        <p14:creationId xmlns:p14="http://schemas.microsoft.com/office/powerpoint/2010/main" val="327848948"/>
       </p:ext>
     </p:extLst>
   </p:cSld>
